--- a/document/CapstoneDesign.pptx
+++ b/document/CapstoneDesign.pptx
@@ -271,7 +271,7 @@
           <a:p>
             <a:fld id="{C2280D91-4A79-4C9C-8FE8-CDFD29E15124}" type="datetimeFigureOut">
               <a:rPr lang="ko-KR" altLang="en-US" smtClean="0"/>
-              <a:t>2018-05-16</a:t>
+              <a:t>2018-05-21</a:t>
             </a:fld>
             <a:endParaRPr lang="ko-KR" altLang="en-US" dirty="0"/>
           </a:p>
@@ -469,7 +469,7 @@
           <a:p>
             <a:fld id="{C2280D91-4A79-4C9C-8FE8-CDFD29E15124}" type="datetimeFigureOut">
               <a:rPr lang="ko-KR" altLang="en-US" smtClean="0"/>
-              <a:t>2018-05-16</a:t>
+              <a:t>2018-05-21</a:t>
             </a:fld>
             <a:endParaRPr lang="ko-KR" altLang="en-US" dirty="0"/>
           </a:p>
@@ -677,7 +677,7 @@
           <a:p>
             <a:fld id="{C2280D91-4A79-4C9C-8FE8-CDFD29E15124}" type="datetimeFigureOut">
               <a:rPr lang="ko-KR" altLang="en-US" smtClean="0"/>
-              <a:t>2018-05-16</a:t>
+              <a:t>2018-05-21</a:t>
             </a:fld>
             <a:endParaRPr lang="ko-KR" altLang="en-US" dirty="0"/>
           </a:p>
@@ -875,7 +875,7 @@
           <a:p>
             <a:fld id="{C2280D91-4A79-4C9C-8FE8-CDFD29E15124}" type="datetimeFigureOut">
               <a:rPr lang="ko-KR" altLang="en-US" smtClean="0"/>
-              <a:t>2018-05-16</a:t>
+              <a:t>2018-05-21</a:t>
             </a:fld>
             <a:endParaRPr lang="ko-KR" altLang="en-US" dirty="0"/>
           </a:p>
@@ -1150,7 +1150,7 @@
           <a:p>
             <a:fld id="{C2280D91-4A79-4C9C-8FE8-CDFD29E15124}" type="datetimeFigureOut">
               <a:rPr lang="ko-KR" altLang="en-US" smtClean="0"/>
-              <a:t>2018-05-16</a:t>
+              <a:t>2018-05-21</a:t>
             </a:fld>
             <a:endParaRPr lang="ko-KR" altLang="en-US" dirty="0"/>
           </a:p>
@@ -1415,7 +1415,7 @@
           <a:p>
             <a:fld id="{C2280D91-4A79-4C9C-8FE8-CDFD29E15124}" type="datetimeFigureOut">
               <a:rPr lang="ko-KR" altLang="en-US" smtClean="0"/>
-              <a:t>2018-05-16</a:t>
+              <a:t>2018-05-21</a:t>
             </a:fld>
             <a:endParaRPr lang="ko-KR" altLang="en-US" dirty="0"/>
           </a:p>
@@ -1827,7 +1827,7 @@
           <a:p>
             <a:fld id="{C2280D91-4A79-4C9C-8FE8-CDFD29E15124}" type="datetimeFigureOut">
               <a:rPr lang="ko-KR" altLang="en-US" smtClean="0"/>
-              <a:t>2018-05-16</a:t>
+              <a:t>2018-05-21</a:t>
             </a:fld>
             <a:endParaRPr lang="ko-KR" altLang="en-US" dirty="0"/>
           </a:p>
@@ -1968,7 +1968,7 @@
           <a:p>
             <a:fld id="{C2280D91-4A79-4C9C-8FE8-CDFD29E15124}" type="datetimeFigureOut">
               <a:rPr lang="ko-KR" altLang="en-US" smtClean="0"/>
-              <a:t>2018-05-16</a:t>
+              <a:t>2018-05-21</a:t>
             </a:fld>
             <a:endParaRPr lang="ko-KR" altLang="en-US" dirty="0"/>
           </a:p>
@@ -2081,7 +2081,7 @@
           <a:p>
             <a:fld id="{C2280D91-4A79-4C9C-8FE8-CDFD29E15124}" type="datetimeFigureOut">
               <a:rPr lang="ko-KR" altLang="en-US" smtClean="0"/>
-              <a:t>2018-05-16</a:t>
+              <a:t>2018-05-21</a:t>
             </a:fld>
             <a:endParaRPr lang="ko-KR" altLang="en-US" dirty="0"/>
           </a:p>
@@ -2392,7 +2392,7 @@
           <a:p>
             <a:fld id="{C2280D91-4A79-4C9C-8FE8-CDFD29E15124}" type="datetimeFigureOut">
               <a:rPr lang="ko-KR" altLang="en-US" smtClean="0"/>
-              <a:t>2018-05-16</a:t>
+              <a:t>2018-05-21</a:t>
             </a:fld>
             <a:endParaRPr lang="ko-KR" altLang="en-US" dirty="0"/>
           </a:p>
@@ -2680,7 +2680,7 @@
           <a:p>
             <a:fld id="{C2280D91-4A79-4C9C-8FE8-CDFD29E15124}" type="datetimeFigureOut">
               <a:rPr lang="ko-KR" altLang="en-US" smtClean="0"/>
-              <a:t>2018-05-16</a:t>
+              <a:t>2018-05-21</a:t>
             </a:fld>
             <a:endParaRPr lang="ko-KR" altLang="en-US" dirty="0"/>
           </a:p>
@@ -2921,7 +2921,7 @@
           <a:p>
             <a:fld id="{C2280D91-4A79-4C9C-8FE8-CDFD29E15124}" type="datetimeFigureOut">
               <a:rPr lang="ko-KR" altLang="en-US" smtClean="0"/>
-              <a:t>2018-05-16</a:t>
+              <a:t>2018-05-21</a:t>
             </a:fld>
             <a:endParaRPr lang="ko-KR" altLang="en-US" dirty="0"/>
           </a:p>
@@ -3939,7 +3939,7 @@
         </p:blipFill>
         <p:spPr>
           <a:xfrm>
-            <a:off x="1597134" y="1155470"/>
+            <a:off x="1721825" y="1292800"/>
             <a:ext cx="2605370" cy="2041634"/>
           </a:xfrm>
           <a:prstGeom prst="rect">
